--- a/_PowerPoints/2nd Semester/Unit 10 Rational Exponents (from Algebra 4)/PreCalc_Day_067 Solving Radical Equations (Alg 4 Ch 6.5).pptx
+++ b/_PowerPoints/2nd Semester/Unit 10 Rational Exponents (from Algebra 4)/PreCalc_Day_067 Solving Radical Equations (Alg 4 Ch 6.5).pptx
@@ -207,7 +207,7 @@
           <a:p>
             <a:fld id="{FAC4242D-6570-4D26-878C-5DE8AD62D39F}" type="datetimeFigureOut">
               <a:rPr lang="en-US" smtClean="0"/>
-              <a:t>4/3/2018</a:t>
+              <a:t>4/5/2018</a:t>
             </a:fld>
             <a:endParaRPr lang="en-US"/>
           </a:p>
@@ -460,7 +460,7 @@
             <a:fld id="{87DE6118-2437-4B30-8E3C-4D2BE6020583}" type="datetimeFigureOut">
               <a:rPr lang="en-US" dirty="0"/>
               <a:pPr/>
-              <a:t>4/3/2018</a:t>
+              <a:t>4/5/2018</a:t>
             </a:fld>
             <a:endParaRPr lang="en-US" dirty="0"/>
           </a:p>
@@ -786,7 +786,7 @@
           <a:p>
             <a:fld id="{87DE6118-2437-4B30-8E3C-4D2BE6020583}" type="datetimeFigureOut">
               <a:rPr lang="en-US" dirty="0"/>
-              <a:t>4/3/2018</a:t>
+              <a:t>4/5/2018</a:t>
             </a:fld>
             <a:endParaRPr lang="en-US" dirty="0"/>
           </a:p>
@@ -961,7 +961,7 @@
           <a:p>
             <a:fld id="{87DE6118-2437-4B30-8E3C-4D2BE6020583}" type="datetimeFigureOut">
               <a:rPr lang="en-US" dirty="0"/>
-              <a:t>4/3/2018</a:t>
+              <a:t>4/5/2018</a:t>
             </a:fld>
             <a:endParaRPr lang="en-US" dirty="0"/>
           </a:p>
@@ -1126,7 +1126,7 @@
           <a:p>
             <a:fld id="{87DE6118-2437-4B30-8E3C-4D2BE6020583}" type="datetimeFigureOut">
               <a:rPr lang="en-US" dirty="0"/>
-              <a:t>4/3/2018</a:t>
+              <a:t>4/5/2018</a:t>
             </a:fld>
             <a:endParaRPr lang="en-US" dirty="0"/>
           </a:p>
@@ -1399,7 +1399,7 @@
             <a:fld id="{87DE6118-2437-4B30-8E3C-4D2BE6020583}" type="datetimeFigureOut">
               <a:rPr lang="en-US" dirty="0"/>
               <a:pPr/>
-              <a:t>4/3/2018</a:t>
+              <a:t>4/5/2018</a:t>
             </a:fld>
             <a:endParaRPr lang="en-US" dirty="0"/>
           </a:p>
@@ -1789,7 +1789,7 @@
           <a:p>
             <a:fld id="{87DE6118-2437-4B30-8E3C-4D2BE6020583}" type="datetimeFigureOut">
               <a:rPr lang="en-US" dirty="0"/>
-              <a:t>4/3/2018</a:t>
+              <a:t>4/5/2018</a:t>
             </a:fld>
             <a:endParaRPr lang="en-US" dirty="0"/>
           </a:p>
@@ -2261,7 +2261,7 @@
           <a:p>
             <a:fld id="{87DE6118-2437-4B30-8E3C-4D2BE6020583}" type="datetimeFigureOut">
               <a:rPr lang="en-US" dirty="0"/>
-              <a:t>4/3/2018</a:t>
+              <a:t>4/5/2018</a:t>
             </a:fld>
             <a:endParaRPr lang="en-US" dirty="0"/>
           </a:p>
@@ -2374,7 +2374,7 @@
           <a:p>
             <a:fld id="{87DE6118-2437-4B30-8E3C-4D2BE6020583}" type="datetimeFigureOut">
               <a:rPr lang="en-US" dirty="0"/>
-              <a:t>4/3/2018</a:t>
+              <a:t>4/5/2018</a:t>
             </a:fld>
             <a:endParaRPr lang="en-US" dirty="0"/>
           </a:p>
@@ -2464,7 +2464,7 @@
           <a:p>
             <a:fld id="{87DE6118-2437-4B30-8E3C-4D2BE6020583}" type="datetimeFigureOut">
               <a:rPr lang="en-US" dirty="0"/>
-              <a:t>4/3/2018</a:t>
+              <a:t>4/5/2018</a:t>
             </a:fld>
             <a:endParaRPr lang="en-US" dirty="0"/>
           </a:p>
@@ -2806,7 +2806,7 @@
             <a:fld id="{87DE6118-2437-4B30-8E3C-4D2BE6020583}" type="datetimeFigureOut">
               <a:rPr lang="en-US" dirty="0"/>
               <a:pPr/>
-              <a:t>4/3/2018</a:t>
+              <a:t>4/5/2018</a:t>
             </a:fld>
             <a:endParaRPr lang="en-US" dirty="0"/>
           </a:p>
@@ -3191,7 +3191,7 @@
             <a:fld id="{87DE6118-2437-4B30-8E3C-4D2BE6020583}" type="datetimeFigureOut">
               <a:rPr lang="en-US" dirty="0"/>
               <a:pPr/>
-              <a:t>4/3/2018</a:t>
+              <a:t>4/5/2018</a:t>
             </a:fld>
             <a:endParaRPr lang="en-US" dirty="0"/>
           </a:p>
@@ -3466,7 +3466,7 @@
             <a:fld id="{87DE6118-2437-4B30-8E3C-4D2BE6020583}" type="datetimeFigureOut">
               <a:rPr lang="en-US" dirty="0"/>
               <a:pPr/>
-              <a:t>4/3/2018</a:t>
+              <a:t>4/5/2018</a:t>
             </a:fld>
             <a:endParaRPr lang="en-US" dirty="0"/>
           </a:p>
@@ -4176,7 +4176,7 @@
           <a:graphicData uri="http://schemas.openxmlformats.org/presentationml/2006/ole">
             <mc:AlternateContent xmlns:mc="http://schemas.openxmlformats.org/markup-compatibility/2006">
               <mc:Choice xmlns:v="urn:schemas-microsoft-com:vml" Requires="v">
-                <p:oleObj spid="_x0000_s4104" r:id="rId3" imgW="1193800" imgH="215900" progId="Equation.DSMT4">
+                <p:oleObj spid="_x0000_s4112" r:id="rId3" imgW="1193800" imgH="215900" progId="Equation.DSMT4">
                   <p:embed/>
                 </p:oleObj>
               </mc:Choice>
@@ -4243,7 +4243,7 @@
           <a:graphicData uri="http://schemas.openxmlformats.org/presentationml/2006/ole">
             <mc:AlternateContent xmlns:mc="http://schemas.openxmlformats.org/markup-compatibility/2006">
               <mc:Choice xmlns:v="urn:schemas-microsoft-com:vml" Requires="v">
-                <p:oleObj spid="_x0000_s4105" r:id="rId5" imgW="749300" imgH="190500" progId="">
+                <p:oleObj spid="_x0000_s4113" r:id="rId5" imgW="749300" imgH="190500" progId="">
                   <p:embed/>
                 </p:oleObj>
               </mc:Choice>
@@ -4373,7 +4373,7 @@
           <a:graphicData uri="http://schemas.openxmlformats.org/presentationml/2006/ole">
             <mc:AlternateContent xmlns:mc="http://schemas.openxmlformats.org/markup-compatibility/2006">
               <mc:Choice xmlns:v="urn:schemas-microsoft-com:vml" Requires="v">
-                <p:oleObj spid="_x0000_s4106" r:id="rId7" imgW="1346200" imgH="444500" progId="Equation.DSMT4">
+                <p:oleObj spid="_x0000_s4114" r:id="rId7" imgW="1346200" imgH="444500" progId="Equation.DSMT4">
                   <p:embed/>
                 </p:oleObj>
               </mc:Choice>
@@ -4503,7 +4503,7 @@
           <a:graphicData uri="http://schemas.openxmlformats.org/presentationml/2006/ole">
             <mc:AlternateContent xmlns:mc="http://schemas.openxmlformats.org/markup-compatibility/2006">
               <mc:Choice xmlns:v="urn:schemas-microsoft-com:vml" Requires="v">
-                <p:oleObj spid="_x0000_s4107" r:id="rId9" imgW="787400" imgH="215900" progId="Equation.DSMT4">
+                <p:oleObj spid="_x0000_s4115" r:id="rId9" imgW="787400" imgH="215900" progId="Equation.DSMT4">
                   <p:embed/>
                 </p:oleObj>
               </mc:Choice>
@@ -4558,6 +4558,13 @@
   <p:clrMapOvr>
     <a:masterClrMapping/>
   </p:clrMapOvr>
+  <p:timing>
+    <p:tnLst>
+      <p:par>
+        <p:cTn id="1" dur="indefinite" restart="never" nodeType="tmRoot"/>
+      </p:par>
+    </p:tnLst>
+  </p:timing>
 </p:sld>
 </file>
 
@@ -4941,10 +4948,6 @@
               <a:rPr lang="en-US" dirty="0"/>
               <a:t>:</a:t>
             </a:r>
-            <a:r>
-              <a:rPr lang="en-US" dirty="0"/>
-              <a:t/>
-            </a:r>
             <a:br>
               <a:rPr lang="en-US" dirty="0"/>
             </a:br>
@@ -5082,6 +5085,13 @@
   <p:clrMapOvr>
     <a:masterClrMapping/>
   </p:clrMapOvr>
+  <p:timing>
+    <p:tnLst>
+      <p:par>
+        <p:cTn id="1" dur="indefinite" restart="never" nodeType="tmRoot"/>
+      </p:par>
+    </p:tnLst>
+  </p:timing>
 </p:sld>
 </file>
 
@@ -5141,6 +5151,13 @@
   <p:clrMapOvr>
     <a:masterClrMapping/>
   </p:clrMapOvr>
+  <p:timing>
+    <p:tnLst>
+      <p:par>
+        <p:cTn id="1" dur="indefinite" restart="never" nodeType="tmRoot"/>
+      </p:par>
+    </p:tnLst>
+  </p:timing>
 </p:sld>
 </file>
 
@@ -5188,10 +5205,6 @@
               <a:rPr lang="en-US" dirty="0"/>
               <a:t>:</a:t>
             </a:r>
-            <a:r>
-              <a:rPr lang="en-US" dirty="0"/>
-              <a:t/>
-            </a:r>
             <a:br>
               <a:rPr lang="en-US" dirty="0"/>
             </a:br>
@@ -5341,6 +5354,13 @@
   <p:clrMapOvr>
     <a:masterClrMapping/>
   </p:clrMapOvr>
+  <p:timing>
+    <p:tnLst>
+      <p:par>
+        <p:cTn id="1" dur="indefinite" restart="never" nodeType="tmRoot"/>
+      </p:par>
+    </p:tnLst>
+  </p:timing>
 </p:sld>
 </file>
 
@@ -5400,6 +5420,13 @@
   <p:clrMapOvr>
     <a:masterClrMapping/>
   </p:clrMapOvr>
+  <p:timing>
+    <p:tnLst>
+      <p:par>
+        <p:cTn id="1" dur="indefinite" restart="never" nodeType="tmRoot"/>
+      </p:par>
+    </p:tnLst>
+  </p:timing>
 </p:sld>
 </file>
 
@@ -5443,8 +5470,8 @@
           </a:p>
         </p:txBody>
       </p:sp>
-      <mc:AlternateContent xmlns:mc="http://schemas.openxmlformats.org/markup-compatibility/2006">
-        <mc:Choice xmlns:a14="http://schemas.microsoft.com/office/drawing/2010/main" Requires="a14">
+      <mc:AlternateContent xmlns:mc="http://schemas.openxmlformats.org/markup-compatibility/2006" xmlns:a14="http://schemas.microsoft.com/office/drawing/2010/main">
+        <mc:Choice Requires="a14">
           <p:sp>
             <p:nvSpPr>
               <p:cNvPr id="3" name="Content Placeholder 2"/>
@@ -5479,7 +5506,9 @@
                       <m:sSup>
                         <m:sSupPr>
                           <m:ctrlPr>
-                            <a:rPr lang="en-US" sz="3000" i="1" smtClean="0"/>
+                            <a:rPr lang="en-US" sz="3000" i="1" smtClean="0">
+                              <a:latin typeface="Cambria Math" panose="02040503050406030204" pitchFamily="18" charset="0"/>
+                            </a:rPr>
                           </m:ctrlPr>
                         </m:sSupPr>
                         <m:e>
@@ -5490,23 +5519,31 @@
                             <m:t>1.) </m:t>
                           </m:r>
                           <m:r>
-                            <a:rPr lang="en-US" sz="3000" i="1"/>
+                            <a:rPr lang="en-US" sz="3000" i="1">
+                              <a:latin typeface="Cambria Math" panose="02040503050406030204" pitchFamily="18" charset="0"/>
+                            </a:rPr>
                             <m:t>5</m:t>
                           </m:r>
                           <m:r>
-                            <a:rPr lang="en-US" sz="3000" i="1"/>
+                            <a:rPr lang="en-US" sz="3000" i="1">
+                              <a:latin typeface="Cambria Math" panose="02040503050406030204" pitchFamily="18" charset="0"/>
+                            </a:rPr>
                             <m:t>𝑥</m:t>
                           </m:r>
                         </m:e>
                         <m:sup>
                           <m:r>
-                            <a:rPr lang="en-US" sz="3000" i="1"/>
+                            <a:rPr lang="en-US" sz="3000" i="1">
+                              <a:latin typeface="Cambria Math" panose="02040503050406030204" pitchFamily="18" charset="0"/>
+                            </a:rPr>
                             <m:t>3</m:t>
                           </m:r>
                         </m:sup>
                       </m:sSup>
                       <m:r>
-                        <a:rPr lang="en-US" sz="3000" i="1"/>
+                        <a:rPr lang="en-US" sz="3000" i="1">
+                          <a:latin typeface="Cambria Math" panose="02040503050406030204" pitchFamily="18" charset="0"/>
+                        </a:rPr>
                         <m:t>+2=42</m:t>
                       </m:r>
                     </m:oMath>
@@ -5613,7 +5650,7 @@
             </p:txBody>
           </p:sp>
         </mc:Choice>
-        <mc:Fallback>
+        <mc:Fallback xmlns="">
           <p:sp>
             <p:nvSpPr>
               <p:cNvPr id="3" name="Content Placeholder 2"/>
@@ -5736,7 +5773,7 @@
           <a:graphicData uri="http://schemas.openxmlformats.org/presentationml/2006/ole">
             <mc:AlternateContent xmlns:mc="http://schemas.openxmlformats.org/markup-compatibility/2006">
               <mc:Choice xmlns:v="urn:schemas-microsoft-com:vml" Requires="v">
-                <p:oleObj spid="_x0000_s3077" r:id="rId4" imgW="1016000" imgH="215900" progId="Equation.DSMT4">
+                <p:oleObj spid="_x0000_s3081" r:id="rId4" imgW="1016000" imgH="215900" progId="Equation.DSMT4">
                   <p:embed/>
                 </p:oleObj>
               </mc:Choice>
@@ -5866,7 +5903,7 @@
           <a:graphicData uri="http://schemas.openxmlformats.org/presentationml/2006/ole">
             <mc:AlternateContent xmlns:mc="http://schemas.openxmlformats.org/markup-compatibility/2006">
               <mc:Choice xmlns:v="urn:schemas-microsoft-com:vml" Requires="v">
-                <p:oleObj spid="_x0000_s3078" r:id="rId6" imgW="1358900" imgH="215900" progId="Equation.DSMT4">
+                <p:oleObj spid="_x0000_s3082" r:id="rId6" imgW="1358900" imgH="215900" progId="Equation.DSMT4">
                   <p:embed/>
                 </p:oleObj>
               </mc:Choice>
@@ -5921,6 +5958,13 @@
   <p:clrMapOvr>
     <a:masterClrMapping/>
   </p:clrMapOvr>
+  <p:timing>
+    <p:tnLst>
+      <p:par>
+        <p:cTn id="1" dur="indefinite" restart="never" nodeType="tmRoot"/>
+      </p:par>
+    </p:tnLst>
+  </p:timing>
 </p:sld>
 </file>
 
@@ -6000,63 +6044,87 @@
                     <m:sSup>
                       <m:sSupPr>
                         <m:ctrlPr>
-                          <a:rPr lang="en-US" sz="3000" i="1"/>
+                          <a:rPr lang="en-US" sz="3000" i="1">
+                            <a:latin typeface="Cambria Math" panose="02040503050406030204" pitchFamily="18" charset="0"/>
+                          </a:rPr>
                         </m:ctrlPr>
                       </m:sSupPr>
                       <m:e>
                         <m:r>
-                          <a:rPr lang="en-US" sz="3000" i="1"/>
+                          <a:rPr lang="en-US" sz="3000" i="1">
+                            <a:latin typeface="Cambria Math" panose="02040503050406030204" pitchFamily="18" charset="0"/>
+                          </a:rPr>
                           <m:t>5</m:t>
                         </m:r>
                         <m:r>
-                          <a:rPr lang="en-US" sz="3000" i="1"/>
+                          <a:rPr lang="en-US" sz="3000" i="1">
+                            <a:latin typeface="Cambria Math" panose="02040503050406030204" pitchFamily="18" charset="0"/>
+                          </a:rPr>
                           <m:t>𝑥</m:t>
                         </m:r>
                       </m:e>
                       <m:sup>
                         <m:r>
-                          <a:rPr lang="en-US" sz="3000" i="1"/>
+                          <a:rPr lang="en-US" sz="3000" i="1">
+                            <a:latin typeface="Cambria Math" panose="02040503050406030204" pitchFamily="18" charset="0"/>
+                          </a:rPr>
                           <m:t>3</m:t>
                         </m:r>
                       </m:sup>
                     </m:sSup>
                     <m:r>
-                      <a:rPr lang="en-US" sz="3000" i="1"/>
+                      <a:rPr lang="en-US" sz="3000" i="1">
+                        <a:latin typeface="Cambria Math" panose="02040503050406030204" pitchFamily="18" charset="0"/>
+                      </a:rPr>
                       <m:t>=40→</m:t>
                     </m:r>
                     <m:sSup>
                       <m:sSupPr>
                         <m:ctrlPr>
-                          <a:rPr lang="en-US" sz="3000" i="1"/>
+                          <a:rPr lang="en-US" sz="3000" i="1">
+                            <a:latin typeface="Cambria Math" panose="02040503050406030204" pitchFamily="18" charset="0"/>
+                          </a:rPr>
                         </m:ctrlPr>
                       </m:sSupPr>
                       <m:e>
                         <m:r>
-                          <a:rPr lang="en-US" sz="3000" i="1"/>
+                          <a:rPr lang="en-US" sz="3000" i="1">
+                            <a:latin typeface="Cambria Math" panose="02040503050406030204" pitchFamily="18" charset="0"/>
+                          </a:rPr>
                           <m:t>𝑥</m:t>
                         </m:r>
                       </m:e>
                       <m:sup>
                         <m:r>
-                          <a:rPr lang="en-US" sz="3000" i="1"/>
+                          <a:rPr lang="en-US" sz="3000" i="1">
+                            <a:latin typeface="Cambria Math" panose="02040503050406030204" pitchFamily="18" charset="0"/>
+                          </a:rPr>
                           <m:t>3</m:t>
                         </m:r>
                       </m:sup>
                     </m:sSup>
                     <m:r>
-                      <a:rPr lang="en-US" sz="3000" i="1"/>
+                      <a:rPr lang="en-US" sz="3000" i="1">
+                        <a:latin typeface="Cambria Math" panose="02040503050406030204" pitchFamily="18" charset="0"/>
+                      </a:rPr>
                       <m:t>=8→</m:t>
                     </m:r>
                     <m:r>
-                      <a:rPr lang="en-US" sz="3000" b="1" i="1"/>
+                      <a:rPr lang="en-US" sz="3000" b="1" i="1">
+                        <a:latin typeface="Cambria Math" panose="02040503050406030204" pitchFamily="18" charset="0"/>
+                      </a:rPr>
                       <m:t>𝒙</m:t>
                     </m:r>
                     <m:r>
-                      <a:rPr lang="en-US" sz="3000" b="1" i="1"/>
+                      <a:rPr lang="en-US" sz="3000" b="1" i="1">
+                        <a:latin typeface="Cambria Math" panose="02040503050406030204" pitchFamily="18" charset="0"/>
+                      </a:rPr>
                       <m:t>=</m:t>
                     </m:r>
                     <m:r>
-                      <a:rPr lang="en-US" sz="3000" b="1" i="1"/>
+                      <a:rPr lang="en-US" sz="3000" b="1" i="1">
+                        <a:latin typeface="Cambria Math" panose="02040503050406030204" pitchFamily="18" charset="0"/>
+                      </a:rPr>
                       <m:t>𝟐</m:t>
                     </m:r>
                   </m:oMath>
@@ -6083,35 +6151,49 @@
                       <m:radPr>
                         <m:degHide m:val="on"/>
                         <m:ctrlPr>
-                          <a:rPr lang="en-US" sz="3200" i="1"/>
+                          <a:rPr lang="en-US" sz="3200" i="1">
+                            <a:latin typeface="Cambria Math" panose="02040503050406030204" pitchFamily="18" charset="0"/>
+                          </a:rPr>
                         </m:ctrlPr>
                       </m:radPr>
                       <m:deg/>
                       <m:e>
                         <m:r>
-                          <a:rPr lang="en-US" sz="3200" i="1"/>
+                          <a:rPr lang="en-US" sz="3200" i="1">
+                            <a:latin typeface="Cambria Math" panose="02040503050406030204" pitchFamily="18" charset="0"/>
+                          </a:rPr>
                           <m:t>4</m:t>
                         </m:r>
                         <m:r>
-                          <a:rPr lang="en-US" sz="3200" i="1"/>
+                          <a:rPr lang="en-US" sz="3200" i="1">
+                            <a:latin typeface="Cambria Math" panose="02040503050406030204" pitchFamily="18" charset="0"/>
+                          </a:rPr>
                           <m:t>𝑥</m:t>
                         </m:r>
                         <m:r>
-                          <a:rPr lang="en-US" sz="3200" i="1"/>
+                          <a:rPr lang="en-US" sz="3200" i="1">
+                            <a:latin typeface="Cambria Math" panose="02040503050406030204" pitchFamily="18" charset="0"/>
+                          </a:rPr>
                           <m:t>−7</m:t>
                         </m:r>
                       </m:e>
                     </m:rad>
                     <m:r>
-                      <a:rPr lang="en-US" sz="3200" i="1"/>
+                      <a:rPr lang="en-US" sz="3200" i="1">
+                        <a:latin typeface="Cambria Math" panose="02040503050406030204" pitchFamily="18" charset="0"/>
+                      </a:rPr>
                       <m:t>=3→4</m:t>
                     </m:r>
                     <m:r>
-                      <a:rPr lang="en-US" sz="3200" i="1"/>
+                      <a:rPr lang="en-US" sz="3200" i="1">
+                        <a:latin typeface="Cambria Math" panose="02040503050406030204" pitchFamily="18" charset="0"/>
+                      </a:rPr>
                       <m:t>𝑥</m:t>
                     </m:r>
                     <m:r>
-                      <a:rPr lang="en-US" sz="3200" i="1"/>
+                      <a:rPr lang="en-US" sz="3200" i="1">
+                        <a:latin typeface="Cambria Math" panose="02040503050406030204" pitchFamily="18" charset="0"/>
+                      </a:rPr>
                       <m:t>−7=9→ </m:t>
                     </m:r>
                   </m:oMath>
@@ -6123,23 +6205,33 @@
                 <a14:m>
                   <m:oMath xmlns:m="http://schemas.openxmlformats.org/officeDocument/2006/math">
                     <m:r>
-                      <a:rPr lang="en-US" sz="3200" i="1"/>
+                      <a:rPr lang="en-US" sz="3200" i="1">
+                        <a:latin typeface="Cambria Math" panose="02040503050406030204" pitchFamily="18" charset="0"/>
+                      </a:rPr>
                       <m:t>4</m:t>
                     </m:r>
                     <m:r>
-                      <a:rPr lang="en-US" sz="3200" i="1"/>
+                      <a:rPr lang="en-US" sz="3200" i="1">
+                        <a:latin typeface="Cambria Math" panose="02040503050406030204" pitchFamily="18" charset="0"/>
+                      </a:rPr>
                       <m:t>𝑥</m:t>
                     </m:r>
                     <m:r>
-                      <a:rPr lang="en-US" sz="3200" i="1"/>
+                      <a:rPr lang="en-US" sz="3200" i="1">
+                        <a:latin typeface="Cambria Math" panose="02040503050406030204" pitchFamily="18" charset="0"/>
+                      </a:rPr>
                       <m:t>=16→</m:t>
                     </m:r>
                     <m:r>
-                      <a:rPr lang="en-US" sz="3200" i="1"/>
+                      <a:rPr lang="en-US" sz="3200" b="0" i="1">
+                        <a:latin typeface="Cambria Math" panose="02040503050406030204" pitchFamily="18" charset="0"/>
+                      </a:rPr>
                       <m:t>𝑥</m:t>
                     </m:r>
                     <m:r>
-                      <a:rPr lang="en-US" sz="3200" i="1"/>
+                      <a:rPr lang="en-US" sz="3200" b="0" i="1">
+                        <a:latin typeface="Cambria Math" panose="02040503050406030204" pitchFamily="18" charset="0"/>
+                      </a:rPr>
                       <m:t>=4</m:t>
                     </m:r>
                   </m:oMath>
@@ -6164,6 +6256,53 @@
                   <a:rPr lang="en-US" sz="3200" dirty="0" smtClean="0"/>
                   <a:t>3.) </a:t>
                 </a:r>
+                <a14:m>
+                  <m:oMath xmlns:m="http://schemas.openxmlformats.org/officeDocument/2006/math">
+                    <m:r>
+                      <a:rPr lang="en-US" sz="3200" b="0" i="1" smtClean="0">
+                        <a:latin typeface="Cambria Math" panose="02040503050406030204" pitchFamily="18" charset="0"/>
+                      </a:rPr>
+                      <m:t>𝑥</m:t>
+                    </m:r>
+                    <m:r>
+                      <a:rPr lang="en-US" sz="3200" b="0" i="1" smtClean="0">
+                        <a:latin typeface="Cambria Math" panose="02040503050406030204" pitchFamily="18" charset="0"/>
+                      </a:rPr>
+                      <m:t>+4=2</m:t>
+                    </m:r>
+                    <m:r>
+                      <a:rPr lang="en-US" sz="3200" b="0" i="1" smtClean="0">
+                        <a:latin typeface="Cambria Math" panose="02040503050406030204" pitchFamily="18" charset="0"/>
+                      </a:rPr>
+                      <m:t>𝑥</m:t>
+                    </m:r>
+                    <m:r>
+                      <a:rPr lang="en-US" sz="3200" b="0" i="1" smtClean="0">
+                        <a:latin typeface="Cambria Math" panose="02040503050406030204" pitchFamily="18" charset="0"/>
+                      </a:rPr>
+                      <m:t>−5→</m:t>
+                    </m:r>
+                    <m:r>
+                      <a:rPr lang="en-US" sz="3200" b="1" i="1" smtClean="0">
+                        <a:latin typeface="Cambria Math" panose="02040503050406030204" pitchFamily="18" charset="0"/>
+                      </a:rPr>
+                      <m:t>𝒙</m:t>
+                    </m:r>
+                    <m:r>
+                      <a:rPr lang="en-US" sz="3200" b="1" i="1" smtClean="0">
+                        <a:latin typeface="Cambria Math" panose="02040503050406030204" pitchFamily="18" charset="0"/>
+                      </a:rPr>
+                      <m:t>=</m:t>
+                    </m:r>
+                    <m:r>
+                      <a:rPr lang="en-US" sz="3200" b="1" i="1" smtClean="0">
+                        <a:latin typeface="Cambria Math" panose="02040503050406030204" pitchFamily="18" charset="0"/>
+                      </a:rPr>
+                      <m:t>𝟗</m:t>
+                    </m:r>
+                  </m:oMath>
+                </a14:m>
+                <a:endParaRPr lang="en-US" sz="3200" b="1" dirty="0" smtClean="0"/>
               </a:p>
               <a:p>
                 <a:pPr marL="0" indent="0">
@@ -6179,6 +6318,163 @@
                   <a:rPr lang="en-US" sz="3200" dirty="0" smtClean="0"/>
                   <a:t>4.) </a:t>
                 </a:r>
+                <a14:m>
+                  <m:oMath xmlns:m="http://schemas.openxmlformats.org/officeDocument/2006/math">
+                    <m:sSup>
+                      <m:sSupPr>
+                        <m:ctrlPr>
+                          <a:rPr lang="en-US" sz="3000" i="1">
+                            <a:latin typeface="Cambria Math" panose="02040503050406030204" pitchFamily="18" charset="0"/>
+                          </a:rPr>
+                        </m:ctrlPr>
+                      </m:sSupPr>
+                      <m:e>
+                        <m:r>
+                          <a:rPr lang="en-US" sz="3000" i="1">
+                            <a:latin typeface="Cambria Math" panose="02040503050406030204" pitchFamily="18" charset="0"/>
+                          </a:rPr>
+                          <m:t>𝑥</m:t>
+                        </m:r>
+                      </m:e>
+                      <m:sup>
+                        <m:r>
+                          <a:rPr lang="en-US" sz="3000" i="1">
+                            <a:latin typeface="Cambria Math" panose="02040503050406030204" pitchFamily="18" charset="0"/>
+                          </a:rPr>
+                          <m:t>2/3</m:t>
+                        </m:r>
+                      </m:sup>
+                    </m:sSup>
+                    <m:r>
+                      <a:rPr lang="en-US" sz="3000" b="0" i="1" smtClean="0">
+                        <a:latin typeface="Cambria Math" panose="02040503050406030204" pitchFamily="18" charset="0"/>
+                      </a:rPr>
+                      <m:t>=4→</m:t>
+                    </m:r>
+                    <m:r>
+                      <a:rPr lang="en-US" sz="3000" b="0" i="1" smtClean="0">
+                        <a:latin typeface="Cambria Math" panose="02040503050406030204" pitchFamily="18" charset="0"/>
+                      </a:rPr>
+                      <m:t>𝑥</m:t>
+                    </m:r>
+                    <m:r>
+                      <a:rPr lang="en-US" sz="3000" b="0" i="1" smtClean="0">
+                        <a:latin typeface="Cambria Math" panose="02040503050406030204" pitchFamily="18" charset="0"/>
+                      </a:rPr>
+                      <m:t>=</m:t>
+                    </m:r>
+                    <m:sSup>
+                      <m:sSupPr>
+                        <m:ctrlPr>
+                          <a:rPr lang="en-US" sz="3000" i="1">
+                            <a:latin typeface="Cambria Math" panose="02040503050406030204" pitchFamily="18" charset="0"/>
+                          </a:rPr>
+                        </m:ctrlPr>
+                      </m:sSupPr>
+                      <m:e>
+                        <m:r>
+                          <a:rPr lang="en-US" sz="3000" b="0" i="1" smtClean="0">
+                            <a:latin typeface="Cambria Math" panose="02040503050406030204" pitchFamily="18" charset="0"/>
+                          </a:rPr>
+                          <m:t>4</m:t>
+                        </m:r>
+                      </m:e>
+                      <m:sup>
+                        <m:r>
+                          <a:rPr lang="en-US" sz="3000" b="0" i="1" smtClean="0">
+                            <a:latin typeface="Cambria Math" panose="02040503050406030204" pitchFamily="18" charset="0"/>
+                          </a:rPr>
+                          <m:t>3</m:t>
+                        </m:r>
+                        <m:r>
+                          <a:rPr lang="en-US" sz="3000" i="1">
+                            <a:latin typeface="Cambria Math" panose="02040503050406030204" pitchFamily="18" charset="0"/>
+                          </a:rPr>
+                          <m:t>/</m:t>
+                        </m:r>
+                        <m:r>
+                          <a:rPr lang="en-US" sz="3000" b="0" i="1" smtClean="0">
+                            <a:latin typeface="Cambria Math" panose="02040503050406030204" pitchFamily="18" charset="0"/>
+                          </a:rPr>
+                          <m:t>2</m:t>
+                        </m:r>
+                      </m:sup>
+                    </m:sSup>
+                    <m:r>
+                      <a:rPr lang="en-US" sz="3000" b="0" i="1" smtClean="0">
+                        <a:latin typeface="Cambria Math" panose="02040503050406030204" pitchFamily="18" charset="0"/>
+                      </a:rPr>
+                      <m:t>→</m:t>
+                    </m:r>
+                    <m:r>
+                      <a:rPr lang="en-US" sz="3000" b="0" i="1" smtClean="0">
+                        <a:latin typeface="Cambria Math" panose="02040503050406030204" pitchFamily="18" charset="0"/>
+                      </a:rPr>
+                      <m:t>𝑥</m:t>
+                    </m:r>
+                    <m:r>
+                      <a:rPr lang="en-US" sz="3000" b="0" i="1" smtClean="0">
+                        <a:latin typeface="Cambria Math" panose="02040503050406030204" pitchFamily="18" charset="0"/>
+                      </a:rPr>
+                      <m:t>=</m:t>
+                    </m:r>
+                    <m:sSup>
+                      <m:sSupPr>
+                        <m:ctrlPr>
+                          <a:rPr lang="en-US" sz="3000" i="1">
+                            <a:latin typeface="Cambria Math" panose="02040503050406030204" pitchFamily="18" charset="0"/>
+                          </a:rPr>
+                        </m:ctrlPr>
+                      </m:sSupPr>
+                      <m:e>
+                        <m:r>
+                          <a:rPr lang="en-US" sz="3000" b="0" i="1" smtClean="0">
+                            <a:latin typeface="Cambria Math" panose="02040503050406030204" pitchFamily="18" charset="0"/>
+                          </a:rPr>
+                          <m:t>2</m:t>
+                        </m:r>
+                      </m:e>
+                      <m:sup>
+                        <m:r>
+                          <a:rPr lang="en-US" sz="3000" i="1">
+                            <a:latin typeface="Cambria Math" panose="02040503050406030204" pitchFamily="18" charset="0"/>
+                          </a:rPr>
+                          <m:t>3</m:t>
+                        </m:r>
+                      </m:sup>
+                    </m:sSup>
+                    <m:r>
+                      <a:rPr lang="en-US" sz="3000" b="0" i="1" smtClean="0">
+                        <a:latin typeface="Cambria Math" panose="02040503050406030204" pitchFamily="18" charset="0"/>
+                      </a:rPr>
+                      <m:t>→</m:t>
+                    </m:r>
+                    <m:r>
+                      <a:rPr lang="en-US" sz="3000" b="1" i="1" smtClean="0">
+                        <a:latin typeface="Cambria Math" panose="02040503050406030204" pitchFamily="18" charset="0"/>
+                      </a:rPr>
+                      <m:t>𝒙</m:t>
+                    </m:r>
+                    <m:r>
+                      <a:rPr lang="en-US" sz="3000" b="1" i="1" smtClean="0">
+                        <a:latin typeface="Cambria Math" panose="02040503050406030204" pitchFamily="18" charset="0"/>
+                      </a:rPr>
+                      <m:t>=</m:t>
+                    </m:r>
+                    <m:r>
+                      <a:rPr lang="en-US" sz="3000" b="1" i="1" smtClean="0">
+                        <a:latin typeface="Cambria Math" panose="02040503050406030204" pitchFamily="18" charset="0"/>
+                      </a:rPr>
+                      <m:t>𝟖</m:t>
+                    </m:r>
+                  </m:oMath>
+                </a14:m>
+                <a:endParaRPr lang="en-US" sz="3000" b="1" dirty="0"/>
+              </a:p>
+              <a:p>
+                <a:pPr marL="0" indent="0">
+                  <a:buNone/>
+                </a:pPr>
                 <a:endParaRPr lang="en-US" sz="3000" dirty="0"/>
               </a:p>
               <a:p>
@@ -6209,7 +6505,7 @@
               <a:blipFill rotWithShape="0">
                 <a:blip r:embed="rId2"/>
                 <a:stretch>
-                  <a:fillRect l="-1587" t="-1200"/>
+                  <a:fillRect l="-1587" t="-2267"/>
                 </a:stretch>
               </a:blipFill>
             </p:spPr>
@@ -6301,6 +6597,13 @@
   <p:clrMapOvr>
     <a:masterClrMapping/>
   </p:clrMapOvr>
+  <p:timing>
+    <p:tnLst>
+      <p:par>
+        <p:cTn id="1" dur="indefinite" restart="never" nodeType="tmRoot"/>
+      </p:par>
+    </p:tnLst>
+  </p:timing>
 </p:sld>
 </file>
 
